--- a/Path2life_Presentation.pptx
+++ b/Path2life_Presentation.pptx
@@ -5,25 +5,24 @@
     <p:sldMasterId id="2147483648" r:id="rId1"/>
   </p:sldMasterIdLst>
   <p:notesMasterIdLst>
-    <p:notesMasterId r:id="rId4"/>
+    <p:notesMasterId r:id="rId15"/>
   </p:notesMasterIdLst>
   <p:sldIdLst>
-    <p:sldId id="256" r:id="rId3"/>
-    <p:sldId id="257" r:id="rId5"/>
-    <p:sldId id="258" r:id="rId6"/>
-    <p:sldId id="259" r:id="rId7"/>
-    <p:sldId id="260" r:id="rId8"/>
-    <p:sldId id="261" r:id="rId9"/>
-    <p:sldId id="262" r:id="rId10"/>
-    <p:sldId id="263" r:id="rId11"/>
-    <p:sldId id="264" r:id="rId12"/>
-    <p:sldId id="266" r:id="rId13"/>
-    <p:sldId id="267" r:id="rId14"/>
-    <p:sldId id="268" r:id="rId15"/>
-    <p:sldId id="269" r:id="rId16"/>
-    <p:sldId id="270" r:id="rId17"/>
+    <p:sldId id="256" r:id="rId2"/>
+    <p:sldId id="257" r:id="rId3"/>
+    <p:sldId id="258" r:id="rId4"/>
+    <p:sldId id="259" r:id="rId5"/>
+    <p:sldId id="260" r:id="rId6"/>
+    <p:sldId id="261" r:id="rId7"/>
+    <p:sldId id="262" r:id="rId8"/>
+    <p:sldId id="263" r:id="rId9"/>
+    <p:sldId id="264" r:id="rId10"/>
+    <p:sldId id="267" r:id="rId11"/>
+    <p:sldId id="268" r:id="rId12"/>
+    <p:sldId id="269" r:id="rId13"/>
+    <p:sldId id="270" r:id="rId14"/>
   </p:sldIdLst>
-  <p:sldSz cx="9144000" cy="5143500"/>
+  <p:sldSz cx="9144000" cy="5143500" type="screen16x9"/>
   <p:notesSz cx="5143500" cy="9144000"/>
   <p:defaultTextStyle>
     <a:lvl1pPr marL="0" algn="l" defTabSz="914400" rtl="0" eaLnBrk="1" latinLnBrk="0" hangingPunct="1">
@@ -117,6 +116,11 @@
       </a:defRPr>
     </a:lvl9pPr>
   </p:defaultTextStyle>
+  <p:extLst>
+    <p:ext uri="{EFAFB233-063F-42B5-8137-9DF3F51BA10A}">
+      <p15:sldGuideLst xmlns:p15="http://schemas.microsoft.com/office/powerpoint/2012/main"/>
+    </p:ext>
+  </p:extLst>
 </p:presentation>
 </file>
 
@@ -202,6 +206,7 @@
           <a:p>
             <a:fld id="{5282F153-3F37-0F45-9E97-73ACFA13230C}" type="datetimeFigureOut">
               <a:rPr lang="en-US"/>
+              <a:t>2/7/2026</a:t>
             </a:fld>
             <a:endParaRPr lang="en-US"/>
           </a:p>
@@ -268,7 +273,6 @@
               <a:rPr lang="en-US"/>
               <a:t>Click to edit Master text styles</a:t>
             </a:r>
-            <a:endParaRPr lang="en-US"/>
           </a:p>
           <a:p>
             <a:pPr lvl="1"/>
@@ -276,7 +280,6 @@
               <a:rPr lang="en-US"/>
               <a:t>Second level</a:t>
             </a:r>
-            <a:endParaRPr lang="en-US"/>
           </a:p>
           <a:p>
             <a:pPr lvl="2"/>
@@ -284,7 +287,6 @@
               <a:rPr lang="en-US"/>
               <a:t>Third level</a:t>
             </a:r>
-            <a:endParaRPr lang="en-US"/>
           </a:p>
           <a:p>
             <a:pPr lvl="3"/>
@@ -292,7 +294,6 @@
               <a:rPr lang="en-US"/>
               <a:t>Fourth level</a:t>
             </a:r>
-            <a:endParaRPr lang="en-US"/>
           </a:p>
           <a:p>
             <a:pPr lvl="4"/>
@@ -300,7 +301,6 @@
               <a:rPr lang="en-US"/>
               <a:t>Fifth level</a:t>
             </a:r>
-            <a:endParaRPr lang="en-US"/>
           </a:p>
         </p:txBody>
       </p:sp>
@@ -364,6 +364,7 @@
           <a:p>
             <a:fld id="{CE5E9CC1-C706-0F49-92D6-E571CC5EEA8F}" type="slidenum">
               <a:rPr lang="en-US"/>
+              <a:t>‹#›</a:t>
             </a:fld>
             <a:endParaRPr lang="en-US"/>
           </a:p>
@@ -532,6 +533,7 @@
           <a:p>
             <a:fld id="{F7021451-1387-4CA6-816F-3879F97B5CBC}" type="slidenum">
               <a:rPr lang="en-US"/>
+              <a:t>1</a:t>
             </a:fld>
             <a:endParaRPr lang="en-US"/>
           </a:p>
@@ -610,6 +612,7 @@
           <a:p>
             <a:fld id="{F7021451-1387-4CA6-816F-3879F97B5CBC}" type="slidenum">
               <a:rPr lang="en-US"/>
+              <a:t>10</a:t>
             </a:fld>
             <a:endParaRPr lang="en-US"/>
           </a:p>
@@ -688,6 +691,7 @@
           <a:p>
             <a:fld id="{F7021451-1387-4CA6-816F-3879F97B5CBC}" type="slidenum">
               <a:rPr lang="en-US"/>
+              <a:t>11</a:t>
             </a:fld>
             <a:endParaRPr lang="en-US"/>
           </a:p>
@@ -766,6 +770,7 @@
           <a:p>
             <a:fld id="{F7021451-1387-4CA6-816F-3879F97B5CBC}" type="slidenum">
               <a:rPr lang="en-US"/>
+              <a:t>12</a:t>
             </a:fld>
             <a:endParaRPr lang="en-US"/>
           </a:p>
@@ -844,84 +849,7 @@
           <a:p>
             <a:fld id="{F7021451-1387-4CA6-816F-3879F97B5CBC}" type="slidenum">
               <a:rPr lang="en-US"/>
-            </a:fld>
-            <a:endParaRPr lang="en-US"/>
-          </a:p>
-        </p:txBody>
-      </p:sp>
-    </p:spTree>
-  </p:cSld>
-  <p:clrMapOvr>
-    <a:masterClrMapping/>
-  </p:clrMapOvr>
-</p:notes>
-</file>
-
-<file path=ppt/notesSlides/notesSlide14.xml><?xml version="1.0" encoding="utf-8"?>
-<p:notes xmlns:a="http://schemas.openxmlformats.org/drawingml/2006/main" xmlns:r="http://schemas.openxmlformats.org/officeDocument/2006/relationships" xmlns:p="http://schemas.openxmlformats.org/presentationml/2006/main">
-  <p:cSld>
-    <p:spTree>
-      <p:nvGrpSpPr>
-        <p:cNvPr id="1" name=""/>
-        <p:cNvGrpSpPr/>
-        <p:nvPr/>
-      </p:nvGrpSpPr>
-      <p:grpSpPr>
-        <a:xfrm>
-          <a:off x="0" y="0"/>
-          <a:ext cx="0" cy="0"/>
-          <a:chOff x="0" y="0"/>
-          <a:chExt cx="0" cy="0"/>
-        </a:xfrm>
-      </p:grpSpPr>
-      <p:sp>
-        <p:nvSpPr>
-          <p:cNvPr id="2" name="Slide Image Placeholder 1"/>
-          <p:cNvSpPr>
-            <a:spLocks noGrp="1" noRot="1" noChangeAspect="1"/>
-          </p:cNvSpPr>
-          <p:nvPr>
-            <p:ph type="sldImg"/>
-          </p:nvPr>
-        </p:nvSpPr>
-        <p:spPr/>
-      </p:sp>
-      <p:sp>
-        <p:nvSpPr>
-          <p:cNvPr id="3" name="Notes Placeholder 2"/>
-          <p:cNvSpPr>
-            <a:spLocks noGrp="1"/>
-          </p:cNvSpPr>
-          <p:nvPr>
-            <p:ph type="body" idx="1"/>
-          </p:nvPr>
-        </p:nvSpPr>
-        <p:spPr/>
-        <p:txBody>
-          <a:bodyPr/>
-          <a:lstStyle/>
-          <a:p>
-            <a:endParaRPr lang="en-US" dirty="0"/>
-          </a:p>
-        </p:txBody>
-      </p:sp>
-      <p:sp>
-        <p:nvSpPr>
-          <p:cNvPr id="4" name="Slide Number Placeholder 3"/>
-          <p:cNvSpPr>
-            <a:spLocks noGrp="1"/>
-          </p:cNvSpPr>
-          <p:nvPr>
-            <p:ph type="sldNum" sz="quarter" idx="10"/>
-          </p:nvPr>
-        </p:nvSpPr>
-        <p:spPr/>
-        <p:txBody>
-          <a:bodyPr/>
-          <a:lstStyle/>
-          <a:p>
-            <a:fld id="{F7021451-1387-4CA6-816F-3879F97B5CBC}" type="slidenum">
-              <a:rPr lang="en-US"/>
+              <a:t>13</a:t>
             </a:fld>
             <a:endParaRPr lang="en-US"/>
           </a:p>
@@ -1000,6 +928,7 @@
           <a:p>
             <a:fld id="{F7021451-1387-4CA6-816F-3879F97B5CBC}" type="slidenum">
               <a:rPr lang="en-US"/>
+              <a:t>2</a:t>
             </a:fld>
             <a:endParaRPr lang="en-US"/>
           </a:p>
@@ -1078,6 +1007,7 @@
           <a:p>
             <a:fld id="{F7021451-1387-4CA6-816F-3879F97B5CBC}" type="slidenum">
               <a:rPr lang="en-US"/>
+              <a:t>3</a:t>
             </a:fld>
             <a:endParaRPr lang="en-US"/>
           </a:p>
@@ -1156,6 +1086,7 @@
           <a:p>
             <a:fld id="{F7021451-1387-4CA6-816F-3879F97B5CBC}" type="slidenum">
               <a:rPr lang="en-US"/>
+              <a:t>4</a:t>
             </a:fld>
             <a:endParaRPr lang="en-US"/>
           </a:p>
@@ -1234,6 +1165,7 @@
           <a:p>
             <a:fld id="{F7021451-1387-4CA6-816F-3879F97B5CBC}" type="slidenum">
               <a:rPr lang="en-US"/>
+              <a:t>5</a:t>
             </a:fld>
             <a:endParaRPr lang="en-US"/>
           </a:p>
@@ -1312,6 +1244,7 @@
           <a:p>
             <a:fld id="{F7021451-1387-4CA6-816F-3879F97B5CBC}" type="slidenum">
               <a:rPr lang="en-US"/>
+              <a:t>6</a:t>
             </a:fld>
             <a:endParaRPr lang="en-US"/>
           </a:p>
@@ -1390,6 +1323,7 @@
           <a:p>
             <a:fld id="{F7021451-1387-4CA6-816F-3879F97B5CBC}" type="slidenum">
               <a:rPr lang="en-US"/>
+              <a:t>7</a:t>
             </a:fld>
             <a:endParaRPr lang="en-US"/>
           </a:p>
@@ -1468,6 +1402,7 @@
           <a:p>
             <a:fld id="{F7021451-1387-4CA6-816F-3879F97B5CBC}" type="slidenum">
               <a:rPr lang="en-US"/>
+              <a:t>8</a:t>
             </a:fld>
             <a:endParaRPr lang="en-US"/>
           </a:p>
@@ -1546,6 +1481,7 @@
           <a:p>
             <a:fld id="{F7021451-1387-4CA6-816F-3879F97B5CBC}" type="slidenum">
               <a:rPr lang="en-US"/>
+              <a:t>9</a:t>
             </a:fld>
             <a:endParaRPr lang="en-US"/>
           </a:p>
@@ -2112,1591 +2048,6 @@
     <p:bg>
       <p:bgPr>
         <a:solidFill>
-          <a:srgbClr val="FFFFFF"/>
-        </a:solidFill>
-        <a:effectLst/>
-      </p:bgPr>
-    </p:bg>
-    <p:spTree>
-      <p:nvGrpSpPr>
-        <p:cNvPr id="1" name=""/>
-        <p:cNvGrpSpPr/>
-        <p:nvPr/>
-      </p:nvGrpSpPr>
-      <p:grpSpPr>
-        <a:xfrm>
-          <a:off x="0" y="0"/>
-          <a:ext cx="0" cy="0"/>
-          <a:chOff x="0" y="0"/>
-          <a:chExt cx="0" cy="0"/>
-        </a:xfrm>
-      </p:grpSpPr>
-      <p:sp>
-        <p:nvSpPr>
-          <p:cNvPr id="2" name="Text 0"/>
-          <p:cNvSpPr/>
-          <p:nvPr/>
-        </p:nvSpPr>
-        <p:spPr>
-          <a:xfrm>
-            <a:off x="457200" y="182245"/>
-            <a:ext cx="8229600" cy="548640"/>
-          </a:xfrm>
-          <a:prstGeom prst="rect">
-            <a:avLst/>
-          </a:prstGeom>
-          <a:noFill/>
-        </p:spPr>
-        <p:txBody>
-          <a:bodyPr wrap="square" rtlCol="0" anchor="ctr"/>
-          <a:lstStyle/>
-          <a:p>
-            <a:pPr marL="0" indent="0">
-              <a:buNone/>
-            </a:pPr>
-            <a:r>
-              <a:rPr lang="en-US" sz="4000" b="1" dirty="0">
-                <a:solidFill>
-                  <a:srgbClr val="0A6CF1"/>
-                </a:solidFill>
-              </a:rPr>
-              <a:t>📊 Results &amp; Validation</a:t>
-            </a:r>
-            <a:endParaRPr lang="en-US" sz="4000" dirty="0"/>
-          </a:p>
-        </p:txBody>
-      </p:sp>
-      <p:sp>
-        <p:nvSpPr>
-          <p:cNvPr id="3" name="Text 1"/>
-          <p:cNvSpPr/>
-          <p:nvPr/>
-        </p:nvSpPr>
-        <p:spPr>
-          <a:xfrm>
-            <a:off x="457200" y="826770"/>
-            <a:ext cx="8229600" cy="365760"/>
-          </a:xfrm>
-          <a:prstGeom prst="rect">
-            <a:avLst/>
-          </a:prstGeom>
-          <a:noFill/>
-        </p:spPr>
-        <p:txBody>
-          <a:bodyPr wrap="square" rtlCol="0" anchor="ctr"/>
-          <a:lstStyle/>
-          <a:p>
-            <a:pPr marL="0" indent="0">
-              <a:buNone/>
-            </a:pPr>
-            <a:r>
-              <a:rPr lang="en-US" sz="2000" b="1" dirty="0">
-                <a:solidFill>
-                  <a:srgbClr val="1E2761"/>
-                </a:solidFill>
-              </a:rPr>
-              <a:t>Traditional vs Path2life</a:t>
-            </a:r>
-            <a:endParaRPr lang="en-US" sz="2000" dirty="0"/>
-          </a:p>
-        </p:txBody>
-      </p:sp>
-      <p:sp>
-        <p:nvSpPr>
-          <p:cNvPr id="4" name="Shape 2"/>
-          <p:cNvSpPr/>
-          <p:nvPr/>
-        </p:nvSpPr>
-        <p:spPr>
-          <a:xfrm>
-            <a:off x="457200" y="1192530"/>
-            <a:ext cx="2103120" cy="457200"/>
-          </a:xfrm>
-          <a:prstGeom prst="rect">
-            <a:avLst/>
-          </a:prstGeom>
-          <a:solidFill>
-            <a:srgbClr val="0A6CF1"/>
-          </a:solidFill>
-        </p:spPr>
-      </p:sp>
-      <p:sp>
-        <p:nvSpPr>
-          <p:cNvPr id="5" name="Text 3"/>
-          <p:cNvSpPr/>
-          <p:nvPr/>
-        </p:nvSpPr>
-        <p:spPr>
-          <a:xfrm>
-            <a:off x="502920" y="1238250"/>
-            <a:ext cx="2011680" cy="365760"/>
-          </a:xfrm>
-          <a:prstGeom prst="rect">
-            <a:avLst/>
-          </a:prstGeom>
-          <a:noFill/>
-        </p:spPr>
-        <p:txBody>
-          <a:bodyPr wrap="square" rtlCol="0" anchor="ctr"/>
-          <a:lstStyle/>
-          <a:p>
-            <a:pPr marL="0" indent="0" algn="ctr">
-              <a:buNone/>
-            </a:pPr>
-            <a:r>
-              <a:rPr lang="en-US" sz="1200" b="1" dirty="0">
-                <a:solidFill>
-                  <a:srgbClr val="FFFFFF"/>
-                </a:solidFill>
-              </a:rPr>
-              <a:t>Metric</a:t>
-            </a:r>
-            <a:endParaRPr lang="en-US" sz="1200" dirty="0"/>
-          </a:p>
-        </p:txBody>
-      </p:sp>
-      <p:sp>
-        <p:nvSpPr>
-          <p:cNvPr id="6" name="Shape 4"/>
-          <p:cNvSpPr/>
-          <p:nvPr/>
-        </p:nvSpPr>
-        <p:spPr>
-          <a:xfrm>
-            <a:off x="2651760" y="1192530"/>
-            <a:ext cx="2103120" cy="457200"/>
-          </a:xfrm>
-          <a:prstGeom prst="rect">
-            <a:avLst/>
-          </a:prstGeom>
-          <a:solidFill>
-            <a:srgbClr val="0A6CF1"/>
-          </a:solidFill>
-        </p:spPr>
-      </p:sp>
-      <p:sp>
-        <p:nvSpPr>
-          <p:cNvPr id="7" name="Text 5"/>
-          <p:cNvSpPr/>
-          <p:nvPr/>
-        </p:nvSpPr>
-        <p:spPr>
-          <a:xfrm>
-            <a:off x="2697480" y="1238250"/>
-            <a:ext cx="2011680" cy="365760"/>
-          </a:xfrm>
-          <a:prstGeom prst="rect">
-            <a:avLst/>
-          </a:prstGeom>
-          <a:noFill/>
-        </p:spPr>
-        <p:txBody>
-          <a:bodyPr wrap="square" rtlCol="0" anchor="ctr"/>
-          <a:lstStyle/>
-          <a:p>
-            <a:pPr marL="0" indent="0" algn="ctr">
-              <a:buNone/>
-            </a:pPr>
-            <a:r>
-              <a:rPr lang="en-US" sz="1200" b="1" dirty="0">
-                <a:solidFill>
-                  <a:srgbClr val="FFFFFF"/>
-                </a:solidFill>
-              </a:rPr>
-              <a:t>Traditional System</a:t>
-            </a:r>
-            <a:endParaRPr lang="en-US" sz="1200" dirty="0"/>
-          </a:p>
-        </p:txBody>
-      </p:sp>
-      <p:sp>
-        <p:nvSpPr>
-          <p:cNvPr id="8" name="Shape 6"/>
-          <p:cNvSpPr/>
-          <p:nvPr/>
-        </p:nvSpPr>
-        <p:spPr>
-          <a:xfrm>
-            <a:off x="4846320" y="1192530"/>
-            <a:ext cx="2103120" cy="457200"/>
-          </a:xfrm>
-          <a:prstGeom prst="rect">
-            <a:avLst/>
-          </a:prstGeom>
-          <a:solidFill>
-            <a:srgbClr val="0A6CF1"/>
-          </a:solidFill>
-        </p:spPr>
-      </p:sp>
-      <p:sp>
-        <p:nvSpPr>
-          <p:cNvPr id="9" name="Text 7"/>
-          <p:cNvSpPr/>
-          <p:nvPr/>
-        </p:nvSpPr>
-        <p:spPr>
-          <a:xfrm>
-            <a:off x="4892040" y="1238250"/>
-            <a:ext cx="2011680" cy="365760"/>
-          </a:xfrm>
-          <a:prstGeom prst="rect">
-            <a:avLst/>
-          </a:prstGeom>
-          <a:noFill/>
-        </p:spPr>
-        <p:txBody>
-          <a:bodyPr wrap="square" rtlCol="0" anchor="ctr"/>
-          <a:lstStyle/>
-          <a:p>
-            <a:pPr marL="0" indent="0" algn="ctr">
-              <a:buNone/>
-            </a:pPr>
-            <a:r>
-              <a:rPr lang="en-US" sz="1200" b="1" dirty="0">
-                <a:solidFill>
-                  <a:srgbClr val="FFFFFF"/>
-                </a:solidFill>
-              </a:rPr>
-              <a:t>Path2life</a:t>
-            </a:r>
-            <a:endParaRPr lang="en-US" sz="1200" dirty="0"/>
-          </a:p>
-        </p:txBody>
-      </p:sp>
-      <p:sp>
-        <p:nvSpPr>
-          <p:cNvPr id="10" name="Shape 8"/>
-          <p:cNvSpPr/>
-          <p:nvPr/>
-        </p:nvSpPr>
-        <p:spPr>
-          <a:xfrm>
-            <a:off x="7040880" y="1192530"/>
-            <a:ext cx="2103120" cy="457200"/>
-          </a:xfrm>
-          <a:prstGeom prst="rect">
-            <a:avLst/>
-          </a:prstGeom>
-          <a:solidFill>
-            <a:srgbClr val="0A6CF1"/>
-          </a:solidFill>
-        </p:spPr>
-      </p:sp>
-      <p:sp>
-        <p:nvSpPr>
-          <p:cNvPr id="11" name="Text 9"/>
-          <p:cNvSpPr/>
-          <p:nvPr/>
-        </p:nvSpPr>
-        <p:spPr>
-          <a:xfrm>
-            <a:off x="7086600" y="1238250"/>
-            <a:ext cx="2011680" cy="365760"/>
-          </a:xfrm>
-          <a:prstGeom prst="rect">
-            <a:avLst/>
-          </a:prstGeom>
-          <a:noFill/>
-        </p:spPr>
-        <p:txBody>
-          <a:bodyPr wrap="square" rtlCol="0" anchor="ctr"/>
-          <a:lstStyle/>
-          <a:p>
-            <a:pPr marL="0" indent="0" algn="ctr">
-              <a:buNone/>
-            </a:pPr>
-            <a:r>
-              <a:rPr lang="en-US" sz="1200" b="1" dirty="0">
-                <a:solidFill>
-                  <a:srgbClr val="FFFFFF"/>
-                </a:solidFill>
-              </a:rPr>
-              <a:t>Improvement</a:t>
-            </a:r>
-            <a:endParaRPr lang="en-US" sz="1200" dirty="0"/>
-          </a:p>
-        </p:txBody>
-      </p:sp>
-      <p:sp>
-        <p:nvSpPr>
-          <p:cNvPr id="12" name="Shape 10"/>
-          <p:cNvSpPr/>
-          <p:nvPr/>
-        </p:nvSpPr>
-        <p:spPr>
-          <a:xfrm>
-            <a:off x="457200" y="1649730"/>
-            <a:ext cx="2103120" cy="457200"/>
-          </a:xfrm>
-          <a:prstGeom prst="rect">
-            <a:avLst/>
-          </a:prstGeom>
-          <a:solidFill>
-            <a:srgbClr val="F8F9FA"/>
-          </a:solidFill>
-          <a:ln w="12700">
-            <a:solidFill>
-              <a:srgbClr val="DDDDDD"/>
-            </a:solidFill>
-            <a:prstDash val="solid"/>
-          </a:ln>
-        </p:spPr>
-      </p:sp>
-      <p:sp>
-        <p:nvSpPr>
-          <p:cNvPr id="13" name="Text 11"/>
-          <p:cNvSpPr/>
-          <p:nvPr/>
-        </p:nvSpPr>
-        <p:spPr>
-          <a:xfrm>
-            <a:off x="502920" y="1695450"/>
-            <a:ext cx="2011680" cy="365760"/>
-          </a:xfrm>
-          <a:prstGeom prst="rect">
-            <a:avLst/>
-          </a:prstGeom>
-          <a:noFill/>
-        </p:spPr>
-        <p:txBody>
-          <a:bodyPr wrap="square" rtlCol="0" anchor="ctr"/>
-          <a:lstStyle/>
-          <a:p>
-            <a:pPr marL="0" indent="0" algn="ctr">
-              <a:buNone/>
-            </a:pPr>
-            <a:r>
-              <a:rPr lang="en-US" sz="1100" b="1" dirty="0">
-                <a:solidFill>
-                  <a:srgbClr val="333333"/>
-                </a:solidFill>
-              </a:rPr>
-              <a:t>Decision Time</a:t>
-            </a:r>
-            <a:endParaRPr lang="en-US" sz="1100" dirty="0"/>
-          </a:p>
-        </p:txBody>
-      </p:sp>
-      <p:sp>
-        <p:nvSpPr>
-          <p:cNvPr id="14" name="Shape 12"/>
-          <p:cNvSpPr/>
-          <p:nvPr/>
-        </p:nvSpPr>
-        <p:spPr>
-          <a:xfrm>
-            <a:off x="2651760" y="1649730"/>
-            <a:ext cx="2103120" cy="457200"/>
-          </a:xfrm>
-          <a:prstGeom prst="rect">
-            <a:avLst/>
-          </a:prstGeom>
-          <a:solidFill>
-            <a:srgbClr val="F8F9FA"/>
-          </a:solidFill>
-          <a:ln w="12700">
-            <a:solidFill>
-              <a:srgbClr val="DDDDDD"/>
-            </a:solidFill>
-            <a:prstDash val="solid"/>
-          </a:ln>
-        </p:spPr>
-      </p:sp>
-      <p:sp>
-        <p:nvSpPr>
-          <p:cNvPr id="15" name="Text 13"/>
-          <p:cNvSpPr/>
-          <p:nvPr/>
-        </p:nvSpPr>
-        <p:spPr>
-          <a:xfrm>
-            <a:off x="2697480" y="1695450"/>
-            <a:ext cx="2011680" cy="365760"/>
-          </a:xfrm>
-          <a:prstGeom prst="rect">
-            <a:avLst/>
-          </a:prstGeom>
-          <a:noFill/>
-        </p:spPr>
-        <p:txBody>
-          <a:bodyPr wrap="square" rtlCol="0" anchor="ctr"/>
-          <a:lstStyle/>
-          <a:p>
-            <a:pPr marL="0" indent="0" algn="ctr">
-              <a:buNone/>
-            </a:pPr>
-            <a:r>
-              <a:rPr lang="en-US" sz="1100" dirty="0">
-                <a:solidFill>
-                  <a:srgbClr val="333333"/>
-                </a:solidFill>
-              </a:rPr>
-              <a:t>5-10 min</a:t>
-            </a:r>
-            <a:endParaRPr lang="en-US" sz="1100" dirty="0"/>
-          </a:p>
-        </p:txBody>
-      </p:sp>
-      <p:sp>
-        <p:nvSpPr>
-          <p:cNvPr id="16" name="Shape 14"/>
-          <p:cNvSpPr/>
-          <p:nvPr/>
-        </p:nvSpPr>
-        <p:spPr>
-          <a:xfrm>
-            <a:off x="4846320" y="1649730"/>
-            <a:ext cx="2103120" cy="457200"/>
-          </a:xfrm>
-          <a:prstGeom prst="rect">
-            <a:avLst/>
-          </a:prstGeom>
-          <a:solidFill>
-            <a:srgbClr val="F8F9FA"/>
-          </a:solidFill>
-          <a:ln w="12700">
-            <a:solidFill>
-              <a:srgbClr val="DDDDDD"/>
-            </a:solidFill>
-            <a:prstDash val="solid"/>
-          </a:ln>
-        </p:spPr>
-      </p:sp>
-      <p:sp>
-        <p:nvSpPr>
-          <p:cNvPr id="17" name="Text 15"/>
-          <p:cNvSpPr/>
-          <p:nvPr/>
-        </p:nvSpPr>
-        <p:spPr>
-          <a:xfrm>
-            <a:off x="4892040" y="1695450"/>
-            <a:ext cx="2011680" cy="365760"/>
-          </a:xfrm>
-          <a:prstGeom prst="rect">
-            <a:avLst/>
-          </a:prstGeom>
-          <a:noFill/>
-        </p:spPr>
-        <p:txBody>
-          <a:bodyPr wrap="square" rtlCol="0" anchor="ctr"/>
-          <a:lstStyle/>
-          <a:p>
-            <a:pPr marL="0" indent="0" algn="ctr">
-              <a:buNone/>
-            </a:pPr>
-            <a:r>
-              <a:rPr lang="en-US" sz="1100" dirty="0">
-                <a:solidFill>
-                  <a:srgbClr val="333333"/>
-                </a:solidFill>
-              </a:rPr>
-              <a:t>&lt;0.1 sec</a:t>
-            </a:r>
-            <a:endParaRPr lang="en-US" sz="1100" dirty="0"/>
-          </a:p>
-        </p:txBody>
-      </p:sp>
-      <p:sp>
-        <p:nvSpPr>
-          <p:cNvPr id="18" name="Shape 16"/>
-          <p:cNvSpPr/>
-          <p:nvPr/>
-        </p:nvSpPr>
-        <p:spPr>
-          <a:xfrm>
-            <a:off x="7040880" y="1649730"/>
-            <a:ext cx="2103120" cy="457200"/>
-          </a:xfrm>
-          <a:prstGeom prst="rect">
-            <a:avLst/>
-          </a:prstGeom>
-          <a:solidFill>
-            <a:srgbClr val="F8F9FA"/>
-          </a:solidFill>
-          <a:ln w="12700">
-            <a:solidFill>
-              <a:srgbClr val="DDDDDD"/>
-            </a:solidFill>
-            <a:prstDash val="solid"/>
-          </a:ln>
-        </p:spPr>
-      </p:sp>
-      <p:sp>
-        <p:nvSpPr>
-          <p:cNvPr id="19" name="Text 17"/>
-          <p:cNvSpPr/>
-          <p:nvPr/>
-        </p:nvSpPr>
-        <p:spPr>
-          <a:xfrm>
-            <a:off x="7086600" y="1695450"/>
-            <a:ext cx="2011680" cy="365760"/>
-          </a:xfrm>
-          <a:prstGeom prst="rect">
-            <a:avLst/>
-          </a:prstGeom>
-          <a:noFill/>
-        </p:spPr>
-        <p:txBody>
-          <a:bodyPr wrap="square" rtlCol="0" anchor="ctr"/>
-          <a:lstStyle/>
-          <a:p>
-            <a:pPr marL="0" indent="0" algn="ctr">
-              <a:buNone/>
-            </a:pPr>
-            <a:r>
-              <a:rPr lang="en-US" sz="1100" dirty="0">
-                <a:solidFill>
-                  <a:srgbClr val="4CAF50"/>
-                </a:solidFill>
-              </a:rPr>
-              <a:t>99% faster</a:t>
-            </a:r>
-            <a:endParaRPr lang="en-US" sz="1100" dirty="0"/>
-          </a:p>
-        </p:txBody>
-      </p:sp>
-      <p:sp>
-        <p:nvSpPr>
-          <p:cNvPr id="20" name="Shape 18"/>
-          <p:cNvSpPr/>
-          <p:nvPr/>
-        </p:nvSpPr>
-        <p:spPr>
-          <a:xfrm>
-            <a:off x="457200" y="2198370"/>
-            <a:ext cx="2103120" cy="457200"/>
-          </a:xfrm>
-          <a:prstGeom prst="rect">
-            <a:avLst/>
-          </a:prstGeom>
-          <a:solidFill>
-            <a:srgbClr val="FFFFFF"/>
-          </a:solidFill>
-          <a:ln w="12700">
-            <a:solidFill>
-              <a:srgbClr val="DDDDDD"/>
-            </a:solidFill>
-            <a:prstDash val="solid"/>
-          </a:ln>
-        </p:spPr>
-      </p:sp>
-      <p:sp>
-        <p:nvSpPr>
-          <p:cNvPr id="21" name="Text 19"/>
-          <p:cNvSpPr/>
-          <p:nvPr/>
-        </p:nvSpPr>
-        <p:spPr>
-          <a:xfrm>
-            <a:off x="502920" y="2244090"/>
-            <a:ext cx="2011680" cy="365760"/>
-          </a:xfrm>
-          <a:prstGeom prst="rect">
-            <a:avLst/>
-          </a:prstGeom>
-          <a:noFill/>
-        </p:spPr>
-        <p:txBody>
-          <a:bodyPr wrap="square" rtlCol="0" anchor="ctr"/>
-          <a:lstStyle/>
-          <a:p>
-            <a:pPr marL="0" indent="0" algn="ctr">
-              <a:buNone/>
-            </a:pPr>
-            <a:r>
-              <a:rPr lang="en-US" sz="1100" b="1" dirty="0">
-                <a:solidFill>
-                  <a:srgbClr val="333333"/>
-                </a:solidFill>
-              </a:rPr>
-              <a:t>Accuracy</a:t>
-            </a:r>
-            <a:endParaRPr lang="en-US" sz="1100" dirty="0"/>
-          </a:p>
-        </p:txBody>
-      </p:sp>
-      <p:sp>
-        <p:nvSpPr>
-          <p:cNvPr id="22" name="Shape 20"/>
-          <p:cNvSpPr/>
-          <p:nvPr/>
-        </p:nvSpPr>
-        <p:spPr>
-          <a:xfrm>
-            <a:off x="2651760" y="2198370"/>
-            <a:ext cx="2103120" cy="457200"/>
-          </a:xfrm>
-          <a:prstGeom prst="rect">
-            <a:avLst/>
-          </a:prstGeom>
-          <a:solidFill>
-            <a:srgbClr val="FFFFFF"/>
-          </a:solidFill>
-          <a:ln w="12700">
-            <a:solidFill>
-              <a:srgbClr val="DDDDDD"/>
-            </a:solidFill>
-            <a:prstDash val="solid"/>
-          </a:ln>
-        </p:spPr>
-      </p:sp>
-      <p:sp>
-        <p:nvSpPr>
-          <p:cNvPr id="23" name="Text 21"/>
-          <p:cNvSpPr/>
-          <p:nvPr/>
-        </p:nvSpPr>
-        <p:spPr>
-          <a:xfrm>
-            <a:off x="2697480" y="2244090"/>
-            <a:ext cx="2011680" cy="365760"/>
-          </a:xfrm>
-          <a:prstGeom prst="rect">
-            <a:avLst/>
-          </a:prstGeom>
-          <a:noFill/>
-        </p:spPr>
-        <p:txBody>
-          <a:bodyPr wrap="square" rtlCol="0" anchor="ctr"/>
-          <a:lstStyle/>
-          <a:p>
-            <a:pPr marL="0" indent="0" algn="ctr">
-              <a:buNone/>
-            </a:pPr>
-            <a:r>
-              <a:rPr lang="en-US" sz="1100" dirty="0">
-                <a:solidFill>
-                  <a:srgbClr val="333333"/>
-                </a:solidFill>
-              </a:rPr>
-              <a:t>~60%</a:t>
-            </a:r>
-            <a:endParaRPr lang="en-US" sz="1100" dirty="0"/>
-          </a:p>
-        </p:txBody>
-      </p:sp>
-      <p:sp>
-        <p:nvSpPr>
-          <p:cNvPr id="24" name="Shape 22"/>
-          <p:cNvSpPr/>
-          <p:nvPr/>
-        </p:nvSpPr>
-        <p:spPr>
-          <a:xfrm>
-            <a:off x="4846320" y="2198370"/>
-            <a:ext cx="2103120" cy="457200"/>
-          </a:xfrm>
-          <a:prstGeom prst="rect">
-            <a:avLst/>
-          </a:prstGeom>
-          <a:solidFill>
-            <a:srgbClr val="FFFFFF"/>
-          </a:solidFill>
-          <a:ln w="12700">
-            <a:solidFill>
-              <a:srgbClr val="DDDDDD"/>
-            </a:solidFill>
-            <a:prstDash val="solid"/>
-          </a:ln>
-        </p:spPr>
-      </p:sp>
-      <p:sp>
-        <p:nvSpPr>
-          <p:cNvPr id="25" name="Text 23"/>
-          <p:cNvSpPr/>
-          <p:nvPr/>
-        </p:nvSpPr>
-        <p:spPr>
-          <a:xfrm>
-            <a:off x="4892040" y="2244090"/>
-            <a:ext cx="2011680" cy="365760"/>
-          </a:xfrm>
-          <a:prstGeom prst="rect">
-            <a:avLst/>
-          </a:prstGeom>
-          <a:noFill/>
-        </p:spPr>
-        <p:txBody>
-          <a:bodyPr wrap="square" rtlCol="0" anchor="ctr"/>
-          <a:lstStyle/>
-          <a:p>
-            <a:pPr marL="0" indent="0" algn="ctr">
-              <a:buNone/>
-            </a:pPr>
-            <a:r>
-              <a:rPr lang="en-US" sz="1100" dirty="0">
-                <a:solidFill>
-                  <a:srgbClr val="333333"/>
-                </a:solidFill>
-              </a:rPr>
-              <a:t>91%+</a:t>
-            </a:r>
-            <a:endParaRPr lang="en-US" sz="1100" dirty="0"/>
-          </a:p>
-        </p:txBody>
-      </p:sp>
-      <p:sp>
-        <p:nvSpPr>
-          <p:cNvPr id="26" name="Shape 24"/>
-          <p:cNvSpPr/>
-          <p:nvPr/>
-        </p:nvSpPr>
-        <p:spPr>
-          <a:xfrm>
-            <a:off x="7040880" y="2198370"/>
-            <a:ext cx="2103120" cy="457200"/>
-          </a:xfrm>
-          <a:prstGeom prst="rect">
-            <a:avLst/>
-          </a:prstGeom>
-          <a:solidFill>
-            <a:srgbClr val="FFFFFF"/>
-          </a:solidFill>
-          <a:ln w="12700">
-            <a:solidFill>
-              <a:srgbClr val="DDDDDD"/>
-            </a:solidFill>
-            <a:prstDash val="solid"/>
-          </a:ln>
-        </p:spPr>
-      </p:sp>
-      <p:sp>
-        <p:nvSpPr>
-          <p:cNvPr id="27" name="Text 25"/>
-          <p:cNvSpPr/>
-          <p:nvPr/>
-        </p:nvSpPr>
-        <p:spPr>
-          <a:xfrm>
-            <a:off x="7086600" y="2244090"/>
-            <a:ext cx="2011680" cy="365760"/>
-          </a:xfrm>
-          <a:prstGeom prst="rect">
-            <a:avLst/>
-          </a:prstGeom>
-          <a:noFill/>
-        </p:spPr>
-        <p:txBody>
-          <a:bodyPr wrap="square" rtlCol="0" anchor="ctr"/>
-          <a:lstStyle/>
-          <a:p>
-            <a:pPr marL="0" indent="0" algn="ctr">
-              <a:buNone/>
-            </a:pPr>
-            <a:r>
-              <a:rPr lang="en-US" sz="1100" dirty="0">
-                <a:solidFill>
-                  <a:srgbClr val="4CAF50"/>
-                </a:solidFill>
-              </a:rPr>
-              <a:t>+31% better</a:t>
-            </a:r>
-            <a:endParaRPr lang="en-US" sz="1100" dirty="0"/>
-          </a:p>
-        </p:txBody>
-      </p:sp>
-      <p:sp>
-        <p:nvSpPr>
-          <p:cNvPr id="28" name="Shape 26"/>
-          <p:cNvSpPr/>
-          <p:nvPr/>
-        </p:nvSpPr>
-        <p:spPr>
-          <a:xfrm>
-            <a:off x="457200" y="2747010"/>
-            <a:ext cx="2103120" cy="457200"/>
-          </a:xfrm>
-          <a:prstGeom prst="rect">
-            <a:avLst/>
-          </a:prstGeom>
-          <a:solidFill>
-            <a:srgbClr val="F8F9FA"/>
-          </a:solidFill>
-          <a:ln w="12700">
-            <a:solidFill>
-              <a:srgbClr val="DDDDDD"/>
-            </a:solidFill>
-            <a:prstDash val="solid"/>
-          </a:ln>
-        </p:spPr>
-      </p:sp>
-      <p:sp>
-        <p:nvSpPr>
-          <p:cNvPr id="29" name="Text 27"/>
-          <p:cNvSpPr/>
-          <p:nvPr/>
-        </p:nvSpPr>
-        <p:spPr>
-          <a:xfrm>
-            <a:off x="502920" y="2792730"/>
-            <a:ext cx="2011680" cy="365760"/>
-          </a:xfrm>
-          <a:prstGeom prst="rect">
-            <a:avLst/>
-          </a:prstGeom>
-          <a:noFill/>
-        </p:spPr>
-        <p:txBody>
-          <a:bodyPr wrap="square" rtlCol="0" anchor="ctr"/>
-          <a:lstStyle/>
-          <a:p>
-            <a:pPr marL="0" indent="0" algn="ctr">
-              <a:buNone/>
-            </a:pPr>
-            <a:r>
-              <a:rPr lang="en-US" sz="1100" b="1" dirty="0">
-                <a:solidFill>
-                  <a:srgbClr val="333333"/>
-                </a:solidFill>
-              </a:rPr>
-              <a:t>Considers Factors</a:t>
-            </a:r>
-            <a:endParaRPr lang="en-US" sz="1100" dirty="0"/>
-          </a:p>
-        </p:txBody>
-      </p:sp>
-      <p:sp>
-        <p:nvSpPr>
-          <p:cNvPr id="30" name="Shape 28"/>
-          <p:cNvSpPr/>
-          <p:nvPr/>
-        </p:nvSpPr>
-        <p:spPr>
-          <a:xfrm>
-            <a:off x="2651760" y="2747010"/>
-            <a:ext cx="2103120" cy="457200"/>
-          </a:xfrm>
-          <a:prstGeom prst="rect">
-            <a:avLst/>
-          </a:prstGeom>
-          <a:solidFill>
-            <a:srgbClr val="F8F9FA"/>
-          </a:solidFill>
-          <a:ln w="12700">
-            <a:solidFill>
-              <a:srgbClr val="DDDDDD"/>
-            </a:solidFill>
-            <a:prstDash val="solid"/>
-          </a:ln>
-        </p:spPr>
-      </p:sp>
-      <p:sp>
-        <p:nvSpPr>
-          <p:cNvPr id="31" name="Text 29"/>
-          <p:cNvSpPr/>
-          <p:nvPr/>
-        </p:nvSpPr>
-        <p:spPr>
-          <a:xfrm>
-            <a:off x="2697480" y="2792730"/>
-            <a:ext cx="2011680" cy="365760"/>
-          </a:xfrm>
-          <a:prstGeom prst="rect">
-            <a:avLst/>
-          </a:prstGeom>
-          <a:noFill/>
-        </p:spPr>
-        <p:txBody>
-          <a:bodyPr wrap="square" rtlCol="0" anchor="ctr"/>
-          <a:lstStyle/>
-          <a:p>
-            <a:pPr marL="0" indent="0" algn="ctr">
-              <a:buNone/>
-            </a:pPr>
-            <a:r>
-              <a:rPr lang="en-US" sz="1100" dirty="0">
-                <a:solidFill>
-                  <a:srgbClr val="333333"/>
-                </a:solidFill>
-              </a:rPr>
-              <a:t>2-3</a:t>
-            </a:r>
-            <a:endParaRPr lang="en-US" sz="1100" dirty="0"/>
-          </a:p>
-        </p:txBody>
-      </p:sp>
-      <p:sp>
-        <p:nvSpPr>
-          <p:cNvPr id="32" name="Shape 30"/>
-          <p:cNvSpPr/>
-          <p:nvPr/>
-        </p:nvSpPr>
-        <p:spPr>
-          <a:xfrm>
-            <a:off x="4846320" y="2747010"/>
-            <a:ext cx="2103120" cy="457200"/>
-          </a:xfrm>
-          <a:prstGeom prst="rect">
-            <a:avLst/>
-          </a:prstGeom>
-          <a:solidFill>
-            <a:srgbClr val="F8F9FA"/>
-          </a:solidFill>
-          <a:ln w="12700">
-            <a:solidFill>
-              <a:srgbClr val="DDDDDD"/>
-            </a:solidFill>
-            <a:prstDash val="solid"/>
-          </a:ln>
-        </p:spPr>
-      </p:sp>
-      <p:sp>
-        <p:nvSpPr>
-          <p:cNvPr id="33" name="Text 31"/>
-          <p:cNvSpPr/>
-          <p:nvPr/>
-        </p:nvSpPr>
-        <p:spPr>
-          <a:xfrm>
-            <a:off x="4892040" y="2792730"/>
-            <a:ext cx="2011680" cy="365760"/>
-          </a:xfrm>
-          <a:prstGeom prst="rect">
-            <a:avLst/>
-          </a:prstGeom>
-          <a:noFill/>
-        </p:spPr>
-        <p:txBody>
-          <a:bodyPr wrap="square" rtlCol="0" anchor="ctr"/>
-          <a:lstStyle/>
-          <a:p>
-            <a:pPr marL="0" indent="0" algn="ctr">
-              <a:buNone/>
-            </a:pPr>
-            <a:r>
-              <a:rPr lang="en-US" sz="1100" dirty="0">
-                <a:solidFill>
-                  <a:srgbClr val="333333"/>
-                </a:solidFill>
-              </a:rPr>
-              <a:t>10+</a:t>
-            </a:r>
-            <a:endParaRPr lang="en-US" sz="1100" dirty="0"/>
-          </a:p>
-        </p:txBody>
-      </p:sp>
-      <p:sp>
-        <p:nvSpPr>
-          <p:cNvPr id="34" name="Shape 32"/>
-          <p:cNvSpPr/>
-          <p:nvPr/>
-        </p:nvSpPr>
-        <p:spPr>
-          <a:xfrm>
-            <a:off x="7040880" y="2747010"/>
-            <a:ext cx="2103120" cy="457200"/>
-          </a:xfrm>
-          <a:prstGeom prst="rect">
-            <a:avLst/>
-          </a:prstGeom>
-          <a:solidFill>
-            <a:srgbClr val="F8F9FA"/>
-          </a:solidFill>
-          <a:ln w="12700">
-            <a:solidFill>
-              <a:srgbClr val="DDDDDD"/>
-            </a:solidFill>
-            <a:prstDash val="solid"/>
-          </a:ln>
-        </p:spPr>
-      </p:sp>
-      <p:sp>
-        <p:nvSpPr>
-          <p:cNvPr id="35" name="Text 33"/>
-          <p:cNvSpPr/>
-          <p:nvPr/>
-        </p:nvSpPr>
-        <p:spPr>
-          <a:xfrm>
-            <a:off x="7086600" y="2792730"/>
-            <a:ext cx="2011680" cy="365760"/>
-          </a:xfrm>
-          <a:prstGeom prst="rect">
-            <a:avLst/>
-          </a:prstGeom>
-          <a:noFill/>
-        </p:spPr>
-        <p:txBody>
-          <a:bodyPr wrap="square" rtlCol="0" anchor="ctr"/>
-          <a:lstStyle/>
-          <a:p>
-            <a:pPr marL="0" indent="0" algn="ctr">
-              <a:buNone/>
-            </a:pPr>
-            <a:r>
-              <a:rPr lang="en-US" sz="1100" dirty="0">
-                <a:solidFill>
-                  <a:srgbClr val="4CAF50"/>
-                </a:solidFill>
-              </a:rPr>
-              <a:t>3x more</a:t>
-            </a:r>
-            <a:endParaRPr lang="en-US" sz="1100" dirty="0"/>
-          </a:p>
-        </p:txBody>
-      </p:sp>
-      <p:sp>
-        <p:nvSpPr>
-          <p:cNvPr id="36" name="Shape 34"/>
-          <p:cNvSpPr/>
-          <p:nvPr/>
-        </p:nvSpPr>
-        <p:spPr>
-          <a:xfrm>
-            <a:off x="457200" y="3295650"/>
-            <a:ext cx="2103120" cy="457200"/>
-          </a:xfrm>
-          <a:prstGeom prst="rect">
-            <a:avLst/>
-          </a:prstGeom>
-          <a:solidFill>
-            <a:srgbClr val="FFFFFF"/>
-          </a:solidFill>
-          <a:ln w="12700">
-            <a:solidFill>
-              <a:srgbClr val="DDDDDD"/>
-            </a:solidFill>
-            <a:prstDash val="solid"/>
-          </a:ln>
-        </p:spPr>
-      </p:sp>
-      <p:sp>
-        <p:nvSpPr>
-          <p:cNvPr id="37" name="Text 35"/>
-          <p:cNvSpPr/>
-          <p:nvPr/>
-        </p:nvSpPr>
-        <p:spPr>
-          <a:xfrm>
-            <a:off x="502920" y="3341370"/>
-            <a:ext cx="2011680" cy="365760"/>
-          </a:xfrm>
-          <a:prstGeom prst="rect">
-            <a:avLst/>
-          </a:prstGeom>
-          <a:noFill/>
-        </p:spPr>
-        <p:txBody>
-          <a:bodyPr wrap="square" rtlCol="0" anchor="ctr"/>
-          <a:lstStyle/>
-          <a:p>
-            <a:pPr marL="0" indent="0" algn="ctr">
-              <a:buNone/>
-            </a:pPr>
-            <a:r>
-              <a:rPr lang="en-US" sz="1100" b="1" dirty="0">
-                <a:solidFill>
-                  <a:srgbClr val="333333"/>
-                </a:solidFill>
-              </a:rPr>
-              <a:t>Adaptability</a:t>
-            </a:r>
-            <a:endParaRPr lang="en-US" sz="1100" dirty="0"/>
-          </a:p>
-        </p:txBody>
-      </p:sp>
-      <p:sp>
-        <p:nvSpPr>
-          <p:cNvPr id="38" name="Shape 36"/>
-          <p:cNvSpPr/>
-          <p:nvPr/>
-        </p:nvSpPr>
-        <p:spPr>
-          <a:xfrm>
-            <a:off x="2651760" y="3295650"/>
-            <a:ext cx="2103120" cy="457200"/>
-          </a:xfrm>
-          <a:prstGeom prst="rect">
-            <a:avLst/>
-          </a:prstGeom>
-          <a:solidFill>
-            <a:srgbClr val="FFFFFF"/>
-          </a:solidFill>
-          <a:ln w="12700">
-            <a:solidFill>
-              <a:srgbClr val="DDDDDD"/>
-            </a:solidFill>
-            <a:prstDash val="solid"/>
-          </a:ln>
-        </p:spPr>
-      </p:sp>
-      <p:sp>
-        <p:nvSpPr>
-          <p:cNvPr id="39" name="Text 37"/>
-          <p:cNvSpPr/>
-          <p:nvPr/>
-        </p:nvSpPr>
-        <p:spPr>
-          <a:xfrm>
-            <a:off x="2697480" y="3341370"/>
-            <a:ext cx="2011680" cy="365760"/>
-          </a:xfrm>
-          <a:prstGeom prst="rect">
-            <a:avLst/>
-          </a:prstGeom>
-          <a:noFill/>
-        </p:spPr>
-        <p:txBody>
-          <a:bodyPr wrap="square" rtlCol="0" anchor="ctr"/>
-          <a:lstStyle/>
-          <a:p>
-            <a:pPr marL="0" indent="0" algn="ctr">
-              <a:buNone/>
-            </a:pPr>
-            <a:r>
-              <a:rPr lang="en-US" sz="1100" dirty="0">
-                <a:solidFill>
-                  <a:srgbClr val="333333"/>
-                </a:solidFill>
-              </a:rPr>
-              <a:t>Low</a:t>
-            </a:r>
-            <a:endParaRPr lang="en-US" sz="1100" dirty="0"/>
-          </a:p>
-        </p:txBody>
-      </p:sp>
-      <p:sp>
-        <p:nvSpPr>
-          <p:cNvPr id="40" name="Shape 38"/>
-          <p:cNvSpPr/>
-          <p:nvPr/>
-        </p:nvSpPr>
-        <p:spPr>
-          <a:xfrm>
-            <a:off x="4846320" y="3295650"/>
-            <a:ext cx="2103120" cy="457200"/>
-          </a:xfrm>
-          <a:prstGeom prst="rect">
-            <a:avLst/>
-          </a:prstGeom>
-          <a:solidFill>
-            <a:srgbClr val="FFFFFF"/>
-          </a:solidFill>
-          <a:ln w="12700">
-            <a:solidFill>
-              <a:srgbClr val="DDDDDD"/>
-            </a:solidFill>
-            <a:prstDash val="solid"/>
-          </a:ln>
-        </p:spPr>
-      </p:sp>
-      <p:sp>
-        <p:nvSpPr>
-          <p:cNvPr id="41" name="Text 39"/>
-          <p:cNvSpPr/>
-          <p:nvPr/>
-        </p:nvSpPr>
-        <p:spPr>
-          <a:xfrm>
-            <a:off x="4892040" y="3341370"/>
-            <a:ext cx="2011680" cy="365760"/>
-          </a:xfrm>
-          <a:prstGeom prst="rect">
-            <a:avLst/>
-          </a:prstGeom>
-          <a:noFill/>
-        </p:spPr>
-        <p:txBody>
-          <a:bodyPr wrap="square" rtlCol="0" anchor="ctr"/>
-          <a:lstStyle/>
-          <a:p>
-            <a:pPr marL="0" indent="0" algn="ctr">
-              <a:buNone/>
-            </a:pPr>
-            <a:r>
-              <a:rPr lang="en-US" sz="1100" dirty="0">
-                <a:solidFill>
-                  <a:srgbClr val="333333"/>
-                </a:solidFill>
-              </a:rPr>
-              <a:t>High</a:t>
-            </a:r>
-            <a:endParaRPr lang="en-US" sz="1100" dirty="0"/>
-          </a:p>
-        </p:txBody>
-      </p:sp>
-      <p:sp>
-        <p:nvSpPr>
-          <p:cNvPr id="42" name="Shape 40"/>
-          <p:cNvSpPr/>
-          <p:nvPr/>
-        </p:nvSpPr>
-        <p:spPr>
-          <a:xfrm>
-            <a:off x="7040880" y="3295650"/>
-            <a:ext cx="2103120" cy="457200"/>
-          </a:xfrm>
-          <a:prstGeom prst="rect">
-            <a:avLst/>
-          </a:prstGeom>
-          <a:solidFill>
-            <a:srgbClr val="FFFFFF"/>
-          </a:solidFill>
-          <a:ln w="12700">
-            <a:solidFill>
-              <a:srgbClr val="DDDDDD"/>
-            </a:solidFill>
-            <a:prstDash val="solid"/>
-          </a:ln>
-        </p:spPr>
-      </p:sp>
-      <p:sp>
-        <p:nvSpPr>
-          <p:cNvPr id="43" name="Text 41"/>
-          <p:cNvSpPr/>
-          <p:nvPr/>
-        </p:nvSpPr>
-        <p:spPr>
-          <a:xfrm>
-            <a:off x="7086600" y="3341370"/>
-            <a:ext cx="2011680" cy="365760"/>
-          </a:xfrm>
-          <a:prstGeom prst="rect">
-            <a:avLst/>
-          </a:prstGeom>
-          <a:noFill/>
-        </p:spPr>
-        <p:txBody>
-          <a:bodyPr wrap="square" rtlCol="0" anchor="ctr"/>
-          <a:lstStyle/>
-          <a:p>
-            <a:pPr marL="0" indent="0" algn="ctr">
-              <a:buNone/>
-            </a:pPr>
-            <a:r>
-              <a:rPr lang="en-US" sz="1100" dirty="0">
-                <a:solidFill>
-                  <a:srgbClr val="4CAF50"/>
-                </a:solidFill>
-              </a:rPr>
-              <a:t>Dynamic</a:t>
-            </a:r>
-            <a:endParaRPr lang="en-US" sz="1100" dirty="0"/>
-          </a:p>
-        </p:txBody>
-      </p:sp>
-      <p:sp>
-        <p:nvSpPr>
-          <p:cNvPr id="44" name="Shape 42"/>
-          <p:cNvSpPr/>
-          <p:nvPr/>
-        </p:nvSpPr>
-        <p:spPr>
-          <a:xfrm>
-            <a:off x="457200" y="3844290"/>
-            <a:ext cx="2103120" cy="457200"/>
-          </a:xfrm>
-          <a:prstGeom prst="rect">
-            <a:avLst/>
-          </a:prstGeom>
-          <a:solidFill>
-            <a:srgbClr val="F8F9FA"/>
-          </a:solidFill>
-          <a:ln w="12700">
-            <a:solidFill>
-              <a:srgbClr val="DDDDDD"/>
-            </a:solidFill>
-            <a:prstDash val="solid"/>
-          </a:ln>
-        </p:spPr>
-      </p:sp>
-      <p:sp>
-        <p:nvSpPr>
-          <p:cNvPr id="45" name="Text 43"/>
-          <p:cNvSpPr/>
-          <p:nvPr/>
-        </p:nvSpPr>
-        <p:spPr>
-          <a:xfrm>
-            <a:off x="502920" y="3890010"/>
-            <a:ext cx="2011680" cy="365760"/>
-          </a:xfrm>
-          <a:prstGeom prst="rect">
-            <a:avLst/>
-          </a:prstGeom>
-          <a:noFill/>
-        </p:spPr>
-        <p:txBody>
-          <a:bodyPr wrap="square" rtlCol="0" anchor="ctr"/>
-          <a:lstStyle/>
-          <a:p>
-            <a:pPr marL="0" indent="0" algn="ctr">
-              <a:buNone/>
-            </a:pPr>
-            <a:r>
-              <a:rPr lang="en-US" sz="1100" b="1" dirty="0">
-                <a:solidFill>
-                  <a:srgbClr val="333333"/>
-                </a:solidFill>
-              </a:rPr>
-              <a:t>Scalability</a:t>
-            </a:r>
-            <a:endParaRPr lang="en-US" sz="1100" dirty="0"/>
-          </a:p>
-        </p:txBody>
-      </p:sp>
-      <p:sp>
-        <p:nvSpPr>
-          <p:cNvPr id="46" name="Shape 44"/>
-          <p:cNvSpPr/>
-          <p:nvPr/>
-        </p:nvSpPr>
-        <p:spPr>
-          <a:xfrm>
-            <a:off x="2651760" y="3844290"/>
-            <a:ext cx="2103120" cy="457200"/>
-          </a:xfrm>
-          <a:prstGeom prst="rect">
-            <a:avLst/>
-          </a:prstGeom>
-          <a:solidFill>
-            <a:srgbClr val="F8F9FA"/>
-          </a:solidFill>
-          <a:ln w="12700">
-            <a:solidFill>
-              <a:srgbClr val="DDDDDD"/>
-            </a:solidFill>
-            <a:prstDash val="solid"/>
-          </a:ln>
-        </p:spPr>
-      </p:sp>
-      <p:sp>
-        <p:nvSpPr>
-          <p:cNvPr id="47" name="Text 45"/>
-          <p:cNvSpPr/>
-          <p:nvPr/>
-        </p:nvSpPr>
-        <p:spPr>
-          <a:xfrm>
-            <a:off x="2697480" y="3890010"/>
-            <a:ext cx="2011680" cy="365760"/>
-          </a:xfrm>
-          <a:prstGeom prst="rect">
-            <a:avLst/>
-          </a:prstGeom>
-          <a:noFill/>
-        </p:spPr>
-        <p:txBody>
-          <a:bodyPr wrap="square" rtlCol="0" anchor="ctr"/>
-          <a:lstStyle/>
-          <a:p>
-            <a:pPr marL="0" indent="0" algn="ctr">
-              <a:buNone/>
-            </a:pPr>
-            <a:r>
-              <a:rPr lang="en-US" sz="1100" dirty="0">
-                <a:solidFill>
-                  <a:srgbClr val="333333"/>
-                </a:solidFill>
-              </a:rPr>
-              <a:t>Manual</a:t>
-            </a:r>
-            <a:endParaRPr lang="en-US" sz="1100" dirty="0"/>
-          </a:p>
-        </p:txBody>
-      </p:sp>
-      <p:sp>
-        <p:nvSpPr>
-          <p:cNvPr id="48" name="Shape 46"/>
-          <p:cNvSpPr/>
-          <p:nvPr/>
-        </p:nvSpPr>
-        <p:spPr>
-          <a:xfrm>
-            <a:off x="4846320" y="3844290"/>
-            <a:ext cx="2103120" cy="457200"/>
-          </a:xfrm>
-          <a:prstGeom prst="rect">
-            <a:avLst/>
-          </a:prstGeom>
-          <a:solidFill>
-            <a:srgbClr val="F8F9FA"/>
-          </a:solidFill>
-          <a:ln w="12700">
-            <a:solidFill>
-              <a:srgbClr val="DDDDDD"/>
-            </a:solidFill>
-            <a:prstDash val="solid"/>
-          </a:ln>
-        </p:spPr>
-      </p:sp>
-      <p:sp>
-        <p:nvSpPr>
-          <p:cNvPr id="49" name="Text 47"/>
-          <p:cNvSpPr/>
-          <p:nvPr/>
-        </p:nvSpPr>
-        <p:spPr>
-          <a:xfrm>
-            <a:off x="4892040" y="3890010"/>
-            <a:ext cx="2011680" cy="365760"/>
-          </a:xfrm>
-          <a:prstGeom prst="rect">
-            <a:avLst/>
-          </a:prstGeom>
-          <a:noFill/>
-        </p:spPr>
-        <p:txBody>
-          <a:bodyPr wrap="square" rtlCol="0" anchor="ctr"/>
-          <a:lstStyle/>
-          <a:p>
-            <a:pPr marL="0" indent="0" algn="ctr">
-              <a:buNone/>
-            </a:pPr>
-            <a:r>
-              <a:rPr lang="en-US" sz="1100" dirty="0">
-                <a:solidFill>
-                  <a:srgbClr val="333333"/>
-                </a:solidFill>
-              </a:rPr>
-              <a:t>Automated</a:t>
-            </a:r>
-            <a:endParaRPr lang="en-US" sz="1100" dirty="0"/>
-          </a:p>
-        </p:txBody>
-      </p:sp>
-      <p:sp>
-        <p:nvSpPr>
-          <p:cNvPr id="50" name="Shape 48"/>
-          <p:cNvSpPr/>
-          <p:nvPr/>
-        </p:nvSpPr>
-        <p:spPr>
-          <a:xfrm>
-            <a:off x="7040880" y="3844290"/>
-            <a:ext cx="2103120" cy="457200"/>
-          </a:xfrm>
-          <a:prstGeom prst="rect">
-            <a:avLst/>
-          </a:prstGeom>
-          <a:solidFill>
-            <a:srgbClr val="F8F9FA"/>
-          </a:solidFill>
-          <a:ln w="12700">
-            <a:solidFill>
-              <a:srgbClr val="DDDDDD"/>
-            </a:solidFill>
-            <a:prstDash val="solid"/>
-          </a:ln>
-        </p:spPr>
-      </p:sp>
-      <p:sp>
-        <p:nvSpPr>
-          <p:cNvPr id="51" name="Text 49"/>
-          <p:cNvSpPr/>
-          <p:nvPr/>
-        </p:nvSpPr>
-        <p:spPr>
-          <a:xfrm>
-            <a:off x="7086600" y="3890010"/>
-            <a:ext cx="2011680" cy="365760"/>
-          </a:xfrm>
-          <a:prstGeom prst="rect">
-            <a:avLst/>
-          </a:prstGeom>
-          <a:noFill/>
-        </p:spPr>
-        <p:txBody>
-          <a:bodyPr wrap="square" rtlCol="0" anchor="ctr"/>
-          <a:lstStyle/>
-          <a:p>
-            <a:pPr marL="0" indent="0" algn="ctr">
-              <a:buNone/>
-            </a:pPr>
-            <a:r>
-              <a:rPr lang="en-US" sz="1100" dirty="0">
-                <a:solidFill>
-                  <a:srgbClr val="4CAF50"/>
-                </a:solidFill>
-              </a:rPr>
-              <a:t>Infinite</a:t>
-            </a:r>
-            <a:endParaRPr lang="en-US" sz="1100" dirty="0"/>
-          </a:p>
-        </p:txBody>
-      </p:sp>
-      <p:sp>
-        <p:nvSpPr>
-          <p:cNvPr id="52" name="Shape 50"/>
-          <p:cNvSpPr/>
-          <p:nvPr/>
-        </p:nvSpPr>
-        <p:spPr>
-          <a:xfrm>
-            <a:off x="914400" y="4347210"/>
-            <a:ext cx="7315200" cy="731520"/>
-          </a:xfrm>
-          <a:prstGeom prst="rect">
-            <a:avLst/>
-          </a:prstGeom>
-          <a:solidFill>
-            <a:srgbClr val="4CAF50"/>
-          </a:solidFill>
-          <a:ln w="12700">
-            <a:solidFill>
-              <a:srgbClr val="4CAF50"/>
-            </a:solidFill>
-            <a:prstDash val="solid"/>
-          </a:ln>
-        </p:spPr>
-        <p:txBody>
-          <a:bodyPr/>
-          <a:p>
-            <a:endParaRPr lang="en-US"/>
-          </a:p>
-        </p:txBody>
-      </p:sp>
-      <p:sp>
-        <p:nvSpPr>
-          <p:cNvPr id="53" name="Text 51"/>
-          <p:cNvSpPr/>
-          <p:nvPr/>
-        </p:nvSpPr>
-        <p:spPr>
-          <a:xfrm>
-            <a:off x="1097280" y="4621530"/>
-            <a:ext cx="6949440" cy="457200"/>
-          </a:xfrm>
-          <a:prstGeom prst="rect">
-            <a:avLst/>
-          </a:prstGeom>
-          <a:noFill/>
-        </p:spPr>
-        <p:txBody>
-          <a:bodyPr wrap="square" rtlCol="0" anchor="ctr"/>
-          <a:lstStyle/>
-          <a:p>
-            <a:pPr marL="0" indent="0" algn="ctr">
-              <a:buNone/>
-            </a:pPr>
-            <a:r>
-              <a:rPr lang="en-US" sz="1400" b="1" dirty="0">
-                <a:solidFill>
-                  <a:srgbClr val="FFFFFF"/>
-                </a:solidFill>
-              </a:rPr>
-              <a:t>✅ Validated through 100+ test scenarios with consistent 15-30% improvement</a:t>
-            </a:r>
-            <a:endParaRPr lang="en-US" sz="1400" dirty="0"/>
-          </a:p>
-        </p:txBody>
-      </p:sp>
-    </p:spTree>
-  </p:cSld>
-  <p:clrMapOvr>
-    <a:masterClrMapping/>
-  </p:clrMapOvr>
-</p:sld>
-</file>
-
-<file path=ppt/slides/slide11.xml><?xml version="1.0" encoding="utf-8"?>
-<p:sld xmlns:a="http://schemas.openxmlformats.org/drawingml/2006/main" xmlns:r="http://schemas.openxmlformats.org/officeDocument/2006/relationships" xmlns:p="http://schemas.openxmlformats.org/presentationml/2006/main">
-  <p:cSld>
-    <p:bg>
-      <p:bgPr>
-        <a:solidFill>
           <a:srgbClr val="F8F9FA"/>
         </a:solidFill>
         <a:effectLst/>
@@ -4171,7 +2522,7 @@
 </p:sld>
 </file>
 
-<file path=ppt/slides/slide12.xml><?xml version="1.0" encoding="utf-8"?>
+<file path=ppt/slides/slide11.xml><?xml version="1.0" encoding="utf-8"?>
 <p:sld xmlns:a="http://schemas.openxmlformats.org/drawingml/2006/main" xmlns:r="http://schemas.openxmlformats.org/officeDocument/2006/relationships" xmlns:p="http://schemas.openxmlformats.org/presentationml/2006/main">
   <p:cSld>
     <p:bg>
@@ -5115,7 +3466,7 @@
 </p:sld>
 </file>
 
-<file path=ppt/slides/slide13.xml><?xml version="1.0" encoding="utf-8"?>
+<file path=ppt/slides/slide12.xml><?xml version="1.0" encoding="utf-8"?>
 <p:sld xmlns:a="http://schemas.openxmlformats.org/drawingml/2006/main" xmlns:r="http://schemas.openxmlformats.org/officeDocument/2006/relationships" xmlns:p="http://schemas.openxmlformats.org/presentationml/2006/main">
   <p:cSld>
     <p:bg>
@@ -5195,6 +3546,7 @@
         </p:spPr>
         <p:txBody>
           <a:bodyPr/>
+          <a:lstStyle/>
           <a:p>
             <a:endParaRPr lang="en-US"/>
           </a:p>
@@ -5290,6 +3642,7 @@
         </p:spPr>
         <p:txBody>
           <a:bodyPr/>
+          <a:lstStyle/>
           <a:p>
             <a:endParaRPr lang="en-US"/>
           </a:p>
@@ -5373,7 +3726,7 @@
 </p:sld>
 </file>
 
-<file path=ppt/slides/slide14.xml><?xml version="1.0" encoding="utf-8"?>
+<file path=ppt/slides/slide13.xml><?xml version="1.0" encoding="utf-8"?>
 <p:sld xmlns:a="http://schemas.openxmlformats.org/drawingml/2006/main" xmlns:r="http://schemas.openxmlformats.org/officeDocument/2006/relationships" xmlns:p="http://schemas.openxmlformats.org/presentationml/2006/main">
   <p:cSld>
     <p:bg>
@@ -5498,11 +3851,6 @@
               </a:rPr>
               <a:t>شكراً لكم</a:t>
             </a:r>
-            <a:endParaRPr lang="ar-JO" altLang="en-US" sz="3600" b="1" dirty="0">
-              <a:solidFill>
-                <a:schemeClr val="bg1"/>
-              </a:solidFill>
-            </a:endParaRPr>
           </a:p>
         </p:txBody>
       </p:sp>
@@ -6365,11 +4713,6 @@
               </a:rPr>
               <a:t>Before 2023, ambulance services in Palestine responded to around 83,000 emergency calls annually.</a:t>
             </a:r>
-            <a:endParaRPr lang="en-US" altLang="en-US" sz="1600" dirty="0">
-              <a:solidFill>
-                <a:srgbClr val="FFFFFF"/>
-              </a:solidFill>
-            </a:endParaRPr>
           </a:p>
         </p:txBody>
       </p:sp>
@@ -6641,42 +4984,10 @@
                 </a:solidFill>
               </a:rPr>
               <a:t>✅ Analyzes patient data in real-time
-</a:t>
-            </a:r>
-            <a:r>
-              <a:rPr lang="en-US" sz="1400" dirty="0">
-                <a:solidFill>
-                  <a:srgbClr val="555555"/>
-                </a:solidFill>
-              </a:rPr>
-              <a:t>✅ Calculates AI-based risk score
-</a:t>
-            </a:r>
-            <a:r>
-              <a:rPr lang="en-US" sz="1400" dirty="0">
-                <a:solidFill>
-                  <a:srgbClr val="555555"/>
-                </a:solidFill>
-              </a:rPr>
-              <a:t>✅ Uses quantum-inspired optimization
-</a:t>
-            </a:r>
-            <a:r>
-              <a:rPr lang="en-US" sz="1400" dirty="0">
-                <a:solidFill>
-                  <a:srgbClr val="555555"/>
-                </a:solidFill>
-              </a:rPr>
-              <a:t>✅ Selects optimal ambulance &amp; route
-</a:t>
-            </a:r>
-            <a:r>
-              <a:rPr lang="en-US" sz="1400" dirty="0">
-                <a:solidFill>
-                  <a:srgbClr val="555555"/>
-                </a:solidFill>
-              </a:rPr>
-              <a:t>✅ Provides decision in &lt;100ms</a:t>
+✅ Calculates AI-based risk score
+✅ Uses quantum-inspired optimization
+✅ Selects optimal ambulance &amp; route
+✅ Provides decision in &lt;100ms</a:t>
             </a:r>
             <a:endParaRPr lang="en-US" sz="2000" dirty="0"/>
           </a:p>
@@ -7204,24 +5515,8 @@
                 </a:solidFill>
               </a:rPr>
               <a:t>• Analyzes age, symptoms, chronic diseases
-</a:t>
-            </a:r>
-            <a:r>
-              <a:rPr lang="en-US" sz="1200" dirty="0">
-                <a:solidFill>
-                  <a:srgbClr val="FFFFFF"/>
-                </a:solidFill>
-              </a:rPr>
-              <a:t>• Considers incident type &amp; location
-</a:t>
-            </a:r>
-            <a:r>
-              <a:rPr lang="en-US" sz="1200" dirty="0">
-                <a:solidFill>
-                  <a:srgbClr val="FFFFFF"/>
-                </a:solidFill>
-              </a:rPr>
-              <a:t>• Outputs risk score (0-1)
+• Considers incident type &amp; location
+• Outputs risk score (0-1)
 </a:t>
             </a:r>
             <a:endParaRPr lang="en-US" sz="1400" dirty="0"/>
@@ -7247,15 +5542,7 @@
                 </a:solidFill>
               </a:rPr>
               <a:t>• Balances time, safety, resources
-</a:t>
-            </a:r>
-            <a:r>
-              <a:rPr lang="en-US" sz="1200" dirty="0">
-                <a:solidFill>
-                  <a:srgbClr val="FFFFFF"/>
-                </a:solidFill>
-              </a:rPr>
-              <a:t>• Adaptive to emergency severity</a:t>
+• Adaptive to emergency severity</a:t>
             </a:r>
             <a:endParaRPr lang="en-US" sz="1400" dirty="0"/>
           </a:p>
@@ -7296,6 +5583,7 @@
         </p:spPr>
         <p:txBody>
           <a:bodyPr/>
+          <a:lstStyle/>
           <a:p>
             <a:endParaRPr lang="en-US"/>
           </a:p>
@@ -7412,23 +5700,6 @@
               </a:rPr>
               <a:t>   Escapes local minima
 </a:t>
-            </a:r>
-            <a:r>
-              <a:rPr lang="en-US" sz="1400" b="1" dirty="0">
-                <a:solidFill>
-                  <a:srgbClr val="14B8A6"/>
-                </a:solidFill>
-              </a:rPr>
-              <a:t>4. Entanglement
-</a:t>
-            </a:r>
-            <a:r>
-              <a:rPr lang="en-US" sz="1100" dirty="0">
-                <a:solidFill>
-                  <a:srgbClr val="FFFFFF"/>
-                </a:solidFill>
-              </a:rPr>
-              <a:t>   Considers correlations</a:t>
             </a:r>
             <a:endParaRPr lang="en-US" sz="1400" dirty="0"/>
           </a:p>
@@ -10199,49 +8470,49 @@
 </file>
 
 <file path=ppt/tags/tag1.xml><?xml version="1.0" encoding="utf-8"?>
-<p:tagLst xmlns:p="http://schemas.openxmlformats.org/presentationml/2006/main">
+<p:tagLst xmlns:a="http://schemas.openxmlformats.org/drawingml/2006/main" xmlns:r="http://schemas.openxmlformats.org/officeDocument/2006/relationships" xmlns:p="http://schemas.openxmlformats.org/presentationml/2006/main">
   <p:tag name="KSO_WM_DIAGRAM_VIRTUALLY_FRAME" val="{&quot;height&quot;:316.8,&quot;left&quot;:50.4,&quot;top&quot;:93.6,&quot;width&quot;:619.2}"/>
 </p:tagLst>
 </file>
 
 <file path=ppt/tags/tag2.xml><?xml version="1.0" encoding="utf-8"?>
-<p:tagLst xmlns:p="http://schemas.openxmlformats.org/presentationml/2006/main">
+<p:tagLst xmlns:a="http://schemas.openxmlformats.org/drawingml/2006/main" xmlns:r="http://schemas.openxmlformats.org/officeDocument/2006/relationships" xmlns:p="http://schemas.openxmlformats.org/presentationml/2006/main">
   <p:tag name="KSO_WM_DIAGRAM_VIRTUALLY_FRAME" val="{&quot;height&quot;:316.8,&quot;left&quot;:50.4,&quot;top&quot;:93.6,&quot;width&quot;:619.2}"/>
 </p:tagLst>
 </file>
 
 <file path=ppt/tags/tag3.xml><?xml version="1.0" encoding="utf-8"?>
-<p:tagLst xmlns:p="http://schemas.openxmlformats.org/presentationml/2006/main">
+<p:tagLst xmlns:a="http://schemas.openxmlformats.org/drawingml/2006/main" xmlns:r="http://schemas.openxmlformats.org/officeDocument/2006/relationships" xmlns:p="http://schemas.openxmlformats.org/presentationml/2006/main">
   <p:tag name="KSO_WM_DIAGRAM_VIRTUALLY_FRAME" val="{&quot;height&quot;:316.8,&quot;left&quot;:50.4,&quot;top&quot;:93.6,&quot;width&quot;:619.2}"/>
 </p:tagLst>
 </file>
 
 <file path=ppt/tags/tag4.xml><?xml version="1.0" encoding="utf-8"?>
-<p:tagLst xmlns:p="http://schemas.openxmlformats.org/presentationml/2006/main">
+<p:tagLst xmlns:a="http://schemas.openxmlformats.org/drawingml/2006/main" xmlns:r="http://schemas.openxmlformats.org/officeDocument/2006/relationships" xmlns:p="http://schemas.openxmlformats.org/presentationml/2006/main">
   <p:tag name="KSO_WM_DIAGRAM_VIRTUALLY_FRAME" val="{&quot;height&quot;:316.8,&quot;left&quot;:50.4,&quot;top&quot;:93.6,&quot;width&quot;:619.2}"/>
 </p:tagLst>
 </file>
 
 <file path=ppt/tags/tag5.xml><?xml version="1.0" encoding="utf-8"?>
-<p:tagLst xmlns:p="http://schemas.openxmlformats.org/presentationml/2006/main">
+<p:tagLst xmlns:a="http://schemas.openxmlformats.org/drawingml/2006/main" xmlns:r="http://schemas.openxmlformats.org/officeDocument/2006/relationships" xmlns:p="http://schemas.openxmlformats.org/presentationml/2006/main">
   <p:tag name="KSO_WM_DIAGRAM_VIRTUALLY_FRAME" val="{&quot;height&quot;:316.8,&quot;left&quot;:50.4,&quot;top&quot;:93.6,&quot;width&quot;:619.2}"/>
 </p:tagLst>
 </file>
 
 <file path=ppt/tags/tag6.xml><?xml version="1.0" encoding="utf-8"?>
-<p:tagLst xmlns:p="http://schemas.openxmlformats.org/presentationml/2006/main">
+<p:tagLst xmlns:a="http://schemas.openxmlformats.org/drawingml/2006/main" xmlns:r="http://schemas.openxmlformats.org/officeDocument/2006/relationships" xmlns:p="http://schemas.openxmlformats.org/presentationml/2006/main">
   <p:tag name="KSO_WM_DIAGRAM_VIRTUALLY_FRAME" val="{&quot;height&quot;:316.8,&quot;left&quot;:50.4,&quot;top&quot;:93.6,&quot;width&quot;:619.2}"/>
 </p:tagLst>
 </file>
 
 <file path=ppt/tags/tag7.xml><?xml version="1.0" encoding="utf-8"?>
-<p:tagLst xmlns:p="http://schemas.openxmlformats.org/presentationml/2006/main">
+<p:tagLst xmlns:a="http://schemas.openxmlformats.org/drawingml/2006/main" xmlns:r="http://schemas.openxmlformats.org/officeDocument/2006/relationships" xmlns:p="http://schemas.openxmlformats.org/presentationml/2006/main">
   <p:tag name="KSO_WM_DIAGRAM_VIRTUALLY_FRAME" val="{&quot;height&quot;:316.8,&quot;left&quot;:50.4,&quot;top&quot;:93.6,&quot;width&quot;:619.2}"/>
 </p:tagLst>
 </file>
 
 <file path=ppt/tags/tag8.xml><?xml version="1.0" encoding="utf-8"?>
-<p:tagLst xmlns:p="http://schemas.openxmlformats.org/presentationml/2006/main">
+<p:tagLst xmlns:a="http://schemas.openxmlformats.org/drawingml/2006/main" xmlns:r="http://schemas.openxmlformats.org/officeDocument/2006/relationships" xmlns:p="http://schemas.openxmlformats.org/presentationml/2006/main">
   <p:tag name="KSO_WM_DIAGRAM_VIRTUALLY_FRAME" val="{&quot;height&quot;:316.8,&quot;left&quot;:50.4,&quot;top&quot;:93.6,&quot;width&quot;:619.2}"/>
 </p:tagLst>
 </file>
@@ -10497,6 +8768,8 @@
       </a:bgFillStyleLst>
     </a:fmtScheme>
   </a:themeElements>
+  <a:objectDefaults/>
+  <a:extraClrSchemeLst/>
   <a:extLst>
     <a:ext uri="{05A4C25C-085E-4340-85A3-A5531E510DB2}">
       <thm15:themeFamily xmlns:thm15="http://schemas.microsoft.com/office/thememl/2012/main" name="Office Theme" id="{62F939B6-93AF-4DB8-9C6B-D6C7DFDC589F}" vid="{4A3C46E8-61CC-4603-A589-7422A47A8E4A}"/>
@@ -10756,6 +9029,8 @@
       </a:bgFillStyleLst>
     </a:fmtScheme>
   </a:themeElements>
+  <a:objectDefaults/>
+  <a:extraClrSchemeLst/>
   <a:extLst>
     <a:ext uri="{05A4C25C-085E-4340-85A3-A5531E510DB2}">
       <thm15:themeFamily xmlns:thm15="http://schemas.microsoft.com/office/thememl/2012/main" name="Office Theme" id="{62F939B6-93AF-4DB8-9C6B-D6C7DFDC589F}" vid="{4A3C46E8-61CC-4603-A589-7422A47A8E4A}"/>

--- a/Path2life_Presentation.pptx
+++ b/Path2life_Presentation.pptx
@@ -6387,7 +6387,7 @@
         </p:nvSpPr>
         <p:spPr>
           <a:xfrm>
-            <a:off x="1188720" y="3383280"/>
+            <a:off x="1188720" y="3390654"/>
             <a:ext cx="7498080" cy="731520"/>
           </a:xfrm>
           <a:prstGeom prst="rect">
@@ -6468,23 +6468,7 @@
                   <a:srgbClr val="666666"/>
                 </a:solidFill>
               </a:rPr>
-              <a:t>100 iterations of annealing in &lt;</a:t>
-            </a:r>
-            <a:r>
-              <a:rPr lang="ar-JO" altLang="en-US" sz="1100" dirty="0">
-                <a:solidFill>
-                  <a:srgbClr val="666666"/>
-                </a:solidFill>
-              </a:rPr>
-              <a:t>5</a:t>
-            </a:r>
-            <a:r>
-              <a:rPr lang="en-US" sz="1100" dirty="0">
-                <a:solidFill>
-                  <a:srgbClr val="666666"/>
-                </a:solidFill>
-              </a:rPr>
-              <a:t>00ms</a:t>
+              <a:t>100 iterations of annealing in &lt;100ms</a:t>
             </a:r>
             <a:endParaRPr lang="en-US" sz="1100" dirty="0"/>
           </a:p>
@@ -7864,7 +7848,23 @@
                   <a:srgbClr val="555555"/>
                 </a:solidFill>
               </a:rPr>
-              <a:t>Decision in &lt;500ms vs. minutes for human operators</a:t>
+              <a:t>Decision </a:t>
+            </a:r>
+            <a:r>
+              <a:rPr lang="en-US" sz="1100">
+                <a:solidFill>
+                  <a:srgbClr val="555555"/>
+                </a:solidFill>
+              </a:rPr>
+              <a:t>in &lt;100ms </a:t>
+            </a:r>
+            <a:r>
+              <a:rPr lang="en-US" sz="1100" dirty="0">
+                <a:solidFill>
+                  <a:srgbClr val="555555"/>
+                </a:solidFill>
+              </a:rPr>
+              <a:t>vs. minutes for human operators</a:t>
             </a:r>
             <a:endParaRPr lang="en-US" sz="1100" dirty="0"/>
           </a:p>
